--- a/tareas/Herramienta GIT.pptx
+++ b/tareas/Herramienta GIT.pptx
@@ -532,7 +532,7 @@
           <a:p>
             <a:fld id="{40462159-F2BB-4A08-9DA5-3FC40AECCCF0}" type="datetimeFigureOut">
               <a:rPr lang="es-MX" smtClean="0"/>
-              <a:t>27/01/2017</a:t>
+              <a:t>30/01/2017</a:t>
             </a:fld>
             <a:endParaRPr lang="es-MX"/>
           </a:p>
@@ -744,7 +744,7 @@
           <a:p>
             <a:fld id="{40462159-F2BB-4A08-9DA5-3FC40AECCCF0}" type="datetimeFigureOut">
               <a:rPr lang="es-MX" smtClean="0"/>
-              <a:t>27/01/2017</a:t>
+              <a:t>30/01/2017</a:t>
             </a:fld>
             <a:endParaRPr lang="es-MX"/>
           </a:p>
@@ -931,7 +931,7 @@
           <a:p>
             <a:fld id="{40462159-F2BB-4A08-9DA5-3FC40AECCCF0}" type="datetimeFigureOut">
               <a:rPr lang="es-MX" smtClean="0"/>
-              <a:t>27/01/2017</a:t>
+              <a:t>30/01/2017</a:t>
             </a:fld>
             <a:endParaRPr lang="es-MX"/>
           </a:p>
@@ -1028,7 +1028,7 @@
           <a:p>
             <a:fld id="{40462159-F2BB-4A08-9DA5-3FC40AECCCF0}" type="datetimeFigureOut">
               <a:rPr lang="es-MX" smtClean="0"/>
-              <a:t>27/01/2017</a:t>
+              <a:t>30/01/2017</a:t>
             </a:fld>
             <a:endParaRPr lang="es-MX"/>
           </a:p>
@@ -1624,7 +1624,7 @@
           <a:p>
             <a:fld id="{40462159-F2BB-4A08-9DA5-3FC40AECCCF0}" type="datetimeFigureOut">
               <a:rPr lang="es-MX" smtClean="0"/>
-              <a:t>27/01/2017</a:t>
+              <a:t>30/01/2017</a:t>
             </a:fld>
             <a:endParaRPr lang="es-MX"/>
           </a:p>
@@ -1721,7 +1721,7 @@
           <a:p>
             <a:fld id="{40462159-F2BB-4A08-9DA5-3FC40AECCCF0}" type="datetimeFigureOut">
               <a:rPr lang="es-MX" smtClean="0"/>
-              <a:t>27/01/2017</a:t>
+              <a:t>30/01/2017</a:t>
             </a:fld>
             <a:endParaRPr lang="es-MX"/>
           </a:p>
@@ -2326,7 +2326,7 @@
           <a:p>
             <a:fld id="{40462159-F2BB-4A08-9DA5-3FC40AECCCF0}" type="datetimeFigureOut">
               <a:rPr lang="es-MX" smtClean="0"/>
-              <a:t>27/01/2017</a:t>
+              <a:t>30/01/2017</a:t>
             </a:fld>
             <a:endParaRPr lang="es-MX"/>
           </a:p>
@@ -2469,7 +2469,7 @@
           <a:p>
             <a:fld id="{40462159-F2BB-4A08-9DA5-3FC40AECCCF0}" type="datetimeFigureOut">
               <a:rPr lang="es-MX" smtClean="0"/>
-              <a:t>27/01/2017</a:t>
+              <a:t>30/01/2017</a:t>
             </a:fld>
             <a:endParaRPr lang="es-MX"/>
           </a:p>
@@ -2566,7 +2566,7 @@
           <a:p>
             <a:fld id="{40462159-F2BB-4A08-9DA5-3FC40AECCCF0}" type="datetimeFigureOut">
               <a:rPr lang="es-MX" smtClean="0"/>
-              <a:t>27/01/2017</a:t>
+              <a:t>30/01/2017</a:t>
             </a:fld>
             <a:endParaRPr lang="es-MX"/>
           </a:p>
@@ -2850,7 +2850,7 @@
           <a:p>
             <a:fld id="{40462159-F2BB-4A08-9DA5-3FC40AECCCF0}" type="datetimeFigureOut">
               <a:rPr lang="es-MX" smtClean="0"/>
-              <a:t>27/01/2017</a:t>
+              <a:t>30/01/2017</a:t>
             </a:fld>
             <a:endParaRPr lang="es-MX"/>
           </a:p>
@@ -3372,7 +3372,7 @@
           <a:p>
             <a:fld id="{40462159-F2BB-4A08-9DA5-3FC40AECCCF0}" type="datetimeFigureOut">
               <a:rPr lang="es-MX" smtClean="0"/>
-              <a:t>27/01/2017</a:t>
+              <a:t>30/01/2017</a:t>
             </a:fld>
             <a:endParaRPr lang="es-MX"/>
           </a:p>
@@ -3892,7 +3892,7 @@
           <a:p>
             <a:fld id="{40462159-F2BB-4A08-9DA5-3FC40AECCCF0}" type="datetimeFigureOut">
               <a:rPr lang="es-MX" smtClean="0"/>
-              <a:t>27/01/2017</a:t>
+              <a:t>30/01/2017</a:t>
             </a:fld>
             <a:endParaRPr lang="es-MX"/>
           </a:p>
@@ -4548,7 +4548,7 @@
                             </p:stCondLst>
                             <p:childTnLst>
                               <p:par>
-                                <p:cTn id="5" presetID="2" presetClass="entr" presetSubtype="4" fill="hold" grpId="0" nodeType="clickEffect">
+                                <p:cTn id="5" presetID="10" presetClass="entr" presetSubtype="0" fill="hold" grpId="0" nodeType="clickEffect">
                                   <p:stCondLst>
                                     <p:cond delay="0"/>
                                   </p:stCondLst>
@@ -4575,9 +4575,9 @@
                                         <p:strVal val="visible"/>
                                       </p:to>
                                     </p:set>
-                                    <p:anim calcmode="lin" valueType="num">
-                                      <p:cBhvr additive="base">
-                                        <p:cTn id="7" dur="500" fill="hold"/>
+                                    <p:animEffect transition="in" filter="fade">
+                                      <p:cBhvr>
+                                        <p:cTn id="7" dur="500"/>
                                         <p:tgtEl>
                                           <p:spTgt spid="3">
                                             <p:txEl>
@@ -4585,50 +4585,61 @@
                                             </p:txEl>
                                           </p:spTgt>
                                         </p:tgtEl>
+                                      </p:cBhvr>
+                                    </p:animEffect>
+                                  </p:childTnLst>
+                                </p:cTn>
+                              </p:par>
+                            </p:childTnLst>
+                          </p:cTn>
+                        </p:par>
+                      </p:childTnLst>
+                    </p:cTn>
+                  </p:par>
+                  <p:par>
+                    <p:cTn id="8" fill="hold">
+                      <p:stCondLst>
+                        <p:cond delay="indefinite"/>
+                      </p:stCondLst>
+                      <p:childTnLst>
+                        <p:par>
+                          <p:cTn id="9" fill="hold">
+                            <p:stCondLst>
+                              <p:cond delay="0"/>
+                            </p:stCondLst>
+                            <p:childTnLst>
+                              <p:par>
+                                <p:cTn id="10" presetID="10" presetClass="entr" presetSubtype="0" fill="hold" grpId="0" nodeType="clickEffect">
+                                  <p:stCondLst>
+                                    <p:cond delay="0"/>
+                                  </p:stCondLst>
+                                  <p:childTnLst>
+                                    <p:set>
+                                      <p:cBhvr>
+                                        <p:cTn id="11" dur="1" fill="hold">
+                                          <p:stCondLst>
+                                            <p:cond delay="0"/>
+                                          </p:stCondLst>
+                                        </p:cTn>
+                                        <p:tgtEl>
+                                          <p:spTgt spid="2"/>
+                                        </p:tgtEl>
                                         <p:attrNameLst>
-                                          <p:attrName>ppt_x</p:attrName>
+                                          <p:attrName>style.visibility</p:attrName>
                                         </p:attrNameLst>
                                       </p:cBhvr>
-                                      <p:tavLst>
-                                        <p:tav tm="0">
-                                          <p:val>
-                                            <p:strVal val="#ppt_x"/>
-                                          </p:val>
-                                        </p:tav>
-                                        <p:tav tm="100000">
-                                          <p:val>
-                                            <p:strVal val="#ppt_x"/>
-                                          </p:val>
-                                        </p:tav>
-                                      </p:tavLst>
-                                    </p:anim>
-                                    <p:anim calcmode="lin" valueType="num">
-                                      <p:cBhvr additive="base">
-                                        <p:cTn id="8" dur="500" fill="hold"/>
+                                      <p:to>
+                                        <p:strVal val="visible"/>
+                                      </p:to>
+                                    </p:set>
+                                    <p:animEffect transition="in" filter="fade">
+                                      <p:cBhvr>
+                                        <p:cTn id="12" dur="500"/>
                                         <p:tgtEl>
-                                          <p:spTgt spid="3">
-                                            <p:txEl>
-                                              <p:pRg st="0" end="0"/>
-                                            </p:txEl>
-                                          </p:spTgt>
+                                          <p:spTgt spid="2"/>
                                         </p:tgtEl>
-                                        <p:attrNameLst>
-                                          <p:attrName>ppt_y</p:attrName>
-                                        </p:attrNameLst>
                                       </p:cBhvr>
-                                      <p:tavLst>
-                                        <p:tav tm="0">
-                                          <p:val>
-                                            <p:strVal val="1+#ppt_h/2"/>
-                                          </p:val>
-                                        </p:tav>
-                                        <p:tav tm="100000">
-                                          <p:val>
-                                            <p:strVal val="#ppt_y"/>
-                                          </p:val>
-                                        </p:tav>
-                                      </p:tavLst>
-                                    </p:anim>
+                                    </p:animEffect>
                                   </p:childTnLst>
                                 </p:cTn>
                               </p:par>
@@ -4661,6 +4672,7 @@
     </p:tnLst>
     <p:bldLst>
       <p:bldP spid="3" grpId="0" build="p"/>
+      <p:bldP spid="2" grpId="0"/>
     </p:bldLst>
   </p:timing>
 </p:sld>
@@ -4723,23 +4735,11 @@
           <a:p>
             <a:r>
               <a:rPr lang="es-MX" dirty="0" smtClean="0"/>
-              <a:t>Es un software de control de versiones diseñada por </a:t>
-            </a:r>
-            <a:r>
-              <a:rPr lang="es-MX" dirty="0" err="1" smtClean="0"/>
-              <a:t>linus</a:t>
+              <a:t>Es un software de control de </a:t>
             </a:r>
             <a:r>
               <a:rPr lang="es-MX" dirty="0" smtClean="0"/>
-              <a:t> </a:t>
-            </a:r>
-            <a:r>
-              <a:rPr lang="es-MX" dirty="0" err="1" smtClean="0"/>
-              <a:t>torvalds</a:t>
-            </a:r>
-            <a:r>
-              <a:rPr lang="es-MX" dirty="0" smtClean="0"/>
-              <a:t> siendo ágil y confiable de cada versión de aplicaciones cuando dichas aplicaciones tiene un gran número de archivos de código fuente.</a:t>
+              <a:t>versiones que gestiona los cambios que se realizan sobre los elementos de algún producto o una configuración del mismo producto, en la gestión de los diversos cambios que se van realizando sobre los elementos de un producto o configuración.</a:t>
             </a:r>
             <a:endParaRPr lang="es-MX" dirty="0"/>
           </a:p>
@@ -5025,6 +5025,67 @@
                       </p:childTnLst>
                     </p:cTn>
                   </p:par>
+                  <p:par>
+                    <p:cTn id="18" fill="hold">
+                      <p:stCondLst>
+                        <p:cond delay="indefinite"/>
+                      </p:stCondLst>
+                      <p:childTnLst>
+                        <p:par>
+                          <p:cTn id="19" fill="hold">
+                            <p:stCondLst>
+                              <p:cond delay="0"/>
+                            </p:stCondLst>
+                            <p:childTnLst>
+                              <p:par>
+                                <p:cTn id="20" presetID="10" presetClass="entr" presetSubtype="0" fill="hold" grpId="0" nodeType="clickEffect">
+                                  <p:stCondLst>
+                                    <p:cond delay="0"/>
+                                  </p:stCondLst>
+                                  <p:childTnLst>
+                                    <p:set>
+                                      <p:cBhvr>
+                                        <p:cTn id="21" dur="1" fill="hold">
+                                          <p:stCondLst>
+                                            <p:cond delay="0"/>
+                                          </p:stCondLst>
+                                        </p:cTn>
+                                        <p:tgtEl>
+                                          <p:spTgt spid="3">
+                                            <p:txEl>
+                                              <p:pRg st="0" end="0"/>
+                                            </p:txEl>
+                                          </p:spTgt>
+                                        </p:tgtEl>
+                                        <p:attrNameLst>
+                                          <p:attrName>style.visibility</p:attrName>
+                                        </p:attrNameLst>
+                                      </p:cBhvr>
+                                      <p:to>
+                                        <p:strVal val="visible"/>
+                                      </p:to>
+                                    </p:set>
+                                    <p:animEffect transition="in" filter="fade">
+                                      <p:cBhvr>
+                                        <p:cTn id="22" dur="500"/>
+                                        <p:tgtEl>
+                                          <p:spTgt spid="3">
+                                            <p:txEl>
+                                              <p:pRg st="0" end="0"/>
+                                            </p:txEl>
+                                          </p:spTgt>
+                                        </p:tgtEl>
+                                      </p:cBhvr>
+                                    </p:animEffect>
+                                  </p:childTnLst>
+                                </p:cTn>
+                              </p:par>
+                            </p:childTnLst>
+                          </p:cTn>
+                        </p:par>
+                      </p:childTnLst>
+                    </p:cTn>
+                  </p:par>
                 </p:childTnLst>
               </p:cTn>
               <p:prevCondLst>
@@ -5048,6 +5109,7 @@
     </p:tnLst>
     <p:bldLst>
       <p:bldP spid="2" grpId="0"/>
+      <p:bldP spid="3" grpId="0" build="p"/>
     </p:bldLst>
   </p:timing>
 </p:sld>
@@ -5110,12 +5172,65 @@
           <a:p>
             <a:r>
               <a:rPr lang="es-MX" dirty="0" smtClean="0"/>
-              <a:t>Trabajar en equipo con un grupo de personas desarrollando de manera eficaz y rápida, pudiendo restaurar en cualquier momento si el producto llega a tener ciertos problemas tiendo una gestión eficiente de proyectos grandes.</a:t>
+              <a:t>Trabajar en equipo con un grupo de personas desarrollando de manera eficaz y rápida, pudiendo restaurar en cualquier momento si el producto llega a tener ciertos problemas </a:t>
+            </a:r>
+            <a:r>
+              <a:rPr lang="es-MX" dirty="0" smtClean="0"/>
+              <a:t>siendo </a:t>
+            </a:r>
+            <a:r>
+              <a:rPr lang="es-MX" dirty="0" smtClean="0"/>
+              <a:t>una gestión eficiente de proyectos grandes</a:t>
+            </a:r>
+            <a:r>
+              <a:rPr lang="es-MX" dirty="0" smtClean="0"/>
+              <a:t>. </a:t>
             </a:r>
             <a:endParaRPr lang="es-MX" dirty="0"/>
           </a:p>
         </p:txBody>
       </p:sp>
+      <p:pic>
+        <p:nvPicPr>
+          <p:cNvPr id="4" name="Picture 2" descr="Resultado de imagen para signo de preguntas"/>
+          <p:cNvPicPr>
+            <a:picLocks noChangeAspect="1" noChangeArrowheads="1"/>
+          </p:cNvPicPr>
+          <p:nvPr/>
+        </p:nvPicPr>
+        <p:blipFill>
+          <a:blip r:embed="rId2">
+            <a:extLst>
+              <a:ext uri="{28A0092B-C50C-407E-A947-70E740481C1C}">
+                <a14:useLocalDpi xmlns:a14="http://schemas.microsoft.com/office/drawing/2010/main" val="0"/>
+              </a:ext>
+            </a:extLst>
+          </a:blip>
+          <a:srcRect/>
+          <a:stretch>
+            <a:fillRect/>
+          </a:stretch>
+        </p:blipFill>
+        <p:spPr bwMode="auto">
+          <a:xfrm>
+            <a:off x="-20867" y="3068960"/>
+            <a:ext cx="3302970" cy="2837764"/>
+          </a:xfrm>
+          <a:prstGeom prst="rect">
+            <a:avLst/>
+          </a:prstGeom>
+          <a:noFill/>
+          <a:extLst>
+            <a:ext uri="{909E8E84-426E-40DD-AFC4-6F175D3DCCD1}">
+              <a14:hiddenFill xmlns:a14="http://schemas.microsoft.com/office/drawing/2010/main">
+                <a:solidFill>
+                  <a:srgbClr val="FFFFFF"/>
+                </a:solidFill>
+              </a14:hiddenFill>
+            </a:ext>
+          </a:extLst>
+        </p:spPr>
+      </p:pic>
     </p:spTree>
     <p:extLst>
       <p:ext uri="{BB962C8B-B14F-4D97-AF65-F5344CB8AC3E}">
@@ -5129,9 +5244,318 @@
   <p:timing>
     <p:tnLst>
       <p:par>
-        <p:cTn id="1" dur="indefinite" restart="never" nodeType="tmRoot"/>
+        <p:cTn id="1" dur="indefinite" restart="never" nodeType="tmRoot">
+          <p:childTnLst>
+            <p:seq concurrent="1" nextAc="seek">
+              <p:cTn id="2" dur="indefinite" nodeType="mainSeq">
+                <p:childTnLst>
+                  <p:par>
+                    <p:cTn id="3" fill="hold">
+                      <p:stCondLst>
+                        <p:cond delay="indefinite"/>
+                      </p:stCondLst>
+                      <p:childTnLst>
+                        <p:par>
+                          <p:cTn id="4" fill="hold">
+                            <p:stCondLst>
+                              <p:cond delay="0"/>
+                            </p:stCondLst>
+                            <p:childTnLst>
+                              <p:par>
+                                <p:cTn id="5" presetID="42" presetClass="entr" presetSubtype="0" fill="hold" nodeType="clickEffect">
+                                  <p:stCondLst>
+                                    <p:cond delay="0"/>
+                                  </p:stCondLst>
+                                  <p:childTnLst>
+                                    <p:set>
+                                      <p:cBhvr>
+                                        <p:cTn id="6" dur="1" fill="hold">
+                                          <p:stCondLst>
+                                            <p:cond delay="0"/>
+                                          </p:stCondLst>
+                                        </p:cTn>
+                                        <p:tgtEl>
+                                          <p:spTgt spid="4"/>
+                                        </p:tgtEl>
+                                        <p:attrNameLst>
+                                          <p:attrName>style.visibility</p:attrName>
+                                        </p:attrNameLst>
+                                      </p:cBhvr>
+                                      <p:to>
+                                        <p:strVal val="visible"/>
+                                      </p:to>
+                                    </p:set>
+                                    <p:animEffect transition="in" filter="fade">
+                                      <p:cBhvr>
+                                        <p:cTn id="7" dur="1000"/>
+                                        <p:tgtEl>
+                                          <p:spTgt spid="4"/>
+                                        </p:tgtEl>
+                                      </p:cBhvr>
+                                    </p:animEffect>
+                                    <p:anim calcmode="lin" valueType="num">
+                                      <p:cBhvr>
+                                        <p:cTn id="8" dur="1000" fill="hold"/>
+                                        <p:tgtEl>
+                                          <p:spTgt spid="4"/>
+                                        </p:tgtEl>
+                                        <p:attrNameLst>
+                                          <p:attrName>ppt_x</p:attrName>
+                                        </p:attrNameLst>
+                                      </p:cBhvr>
+                                      <p:tavLst>
+                                        <p:tav tm="0">
+                                          <p:val>
+                                            <p:strVal val="#ppt_x"/>
+                                          </p:val>
+                                        </p:tav>
+                                        <p:tav tm="100000">
+                                          <p:val>
+                                            <p:strVal val="#ppt_x"/>
+                                          </p:val>
+                                        </p:tav>
+                                      </p:tavLst>
+                                    </p:anim>
+                                    <p:anim calcmode="lin" valueType="num">
+                                      <p:cBhvr>
+                                        <p:cTn id="9" dur="1000" fill="hold"/>
+                                        <p:tgtEl>
+                                          <p:spTgt spid="4"/>
+                                        </p:tgtEl>
+                                        <p:attrNameLst>
+                                          <p:attrName>ppt_y</p:attrName>
+                                        </p:attrNameLst>
+                                      </p:cBhvr>
+                                      <p:tavLst>
+                                        <p:tav tm="0">
+                                          <p:val>
+                                            <p:strVal val="#ppt_y+.1"/>
+                                          </p:val>
+                                        </p:tav>
+                                        <p:tav tm="100000">
+                                          <p:val>
+                                            <p:strVal val="#ppt_y"/>
+                                          </p:val>
+                                        </p:tav>
+                                      </p:tavLst>
+                                    </p:anim>
+                                  </p:childTnLst>
+                                </p:cTn>
+                              </p:par>
+                            </p:childTnLst>
+                          </p:cTn>
+                        </p:par>
+                      </p:childTnLst>
+                    </p:cTn>
+                  </p:par>
+                  <p:par>
+                    <p:cTn id="10" fill="hold">
+                      <p:stCondLst>
+                        <p:cond delay="indefinite"/>
+                      </p:stCondLst>
+                      <p:childTnLst>
+                        <p:par>
+                          <p:cTn id="11" fill="hold">
+                            <p:stCondLst>
+                              <p:cond delay="0"/>
+                            </p:stCondLst>
+                            <p:childTnLst>
+                              <p:par>
+                                <p:cTn id="12" presetID="31" presetClass="entr" presetSubtype="0" fill="hold" grpId="0" nodeType="clickEffect">
+                                  <p:stCondLst>
+                                    <p:cond delay="0"/>
+                                  </p:stCondLst>
+                                  <p:childTnLst>
+                                    <p:set>
+                                      <p:cBhvr>
+                                        <p:cTn id="13" dur="1" fill="hold">
+                                          <p:stCondLst>
+                                            <p:cond delay="0"/>
+                                          </p:stCondLst>
+                                        </p:cTn>
+                                        <p:tgtEl>
+                                          <p:spTgt spid="2"/>
+                                        </p:tgtEl>
+                                        <p:attrNameLst>
+                                          <p:attrName>style.visibility</p:attrName>
+                                        </p:attrNameLst>
+                                      </p:cBhvr>
+                                      <p:to>
+                                        <p:strVal val="visible"/>
+                                      </p:to>
+                                    </p:set>
+                                    <p:anim calcmode="lin" valueType="num">
+                                      <p:cBhvr>
+                                        <p:cTn id="14" dur="1000" fill="hold"/>
+                                        <p:tgtEl>
+                                          <p:spTgt spid="2"/>
+                                        </p:tgtEl>
+                                        <p:attrNameLst>
+                                          <p:attrName>ppt_w</p:attrName>
+                                        </p:attrNameLst>
+                                      </p:cBhvr>
+                                      <p:tavLst>
+                                        <p:tav tm="0">
+                                          <p:val>
+                                            <p:fltVal val="0"/>
+                                          </p:val>
+                                        </p:tav>
+                                        <p:tav tm="100000">
+                                          <p:val>
+                                            <p:strVal val="#ppt_w"/>
+                                          </p:val>
+                                        </p:tav>
+                                      </p:tavLst>
+                                    </p:anim>
+                                    <p:anim calcmode="lin" valueType="num">
+                                      <p:cBhvr>
+                                        <p:cTn id="15" dur="1000" fill="hold"/>
+                                        <p:tgtEl>
+                                          <p:spTgt spid="2"/>
+                                        </p:tgtEl>
+                                        <p:attrNameLst>
+                                          <p:attrName>ppt_h</p:attrName>
+                                        </p:attrNameLst>
+                                      </p:cBhvr>
+                                      <p:tavLst>
+                                        <p:tav tm="0">
+                                          <p:val>
+                                            <p:fltVal val="0"/>
+                                          </p:val>
+                                        </p:tav>
+                                        <p:tav tm="100000">
+                                          <p:val>
+                                            <p:strVal val="#ppt_h"/>
+                                          </p:val>
+                                        </p:tav>
+                                      </p:tavLst>
+                                    </p:anim>
+                                    <p:anim calcmode="lin" valueType="num">
+                                      <p:cBhvr>
+                                        <p:cTn id="16" dur="1000" fill="hold"/>
+                                        <p:tgtEl>
+                                          <p:spTgt spid="2"/>
+                                        </p:tgtEl>
+                                        <p:attrNameLst>
+                                          <p:attrName>style.rotation</p:attrName>
+                                        </p:attrNameLst>
+                                      </p:cBhvr>
+                                      <p:tavLst>
+                                        <p:tav tm="0">
+                                          <p:val>
+                                            <p:fltVal val="90"/>
+                                          </p:val>
+                                        </p:tav>
+                                        <p:tav tm="100000">
+                                          <p:val>
+                                            <p:fltVal val="0"/>
+                                          </p:val>
+                                        </p:tav>
+                                      </p:tavLst>
+                                    </p:anim>
+                                    <p:animEffect transition="in" filter="fade">
+                                      <p:cBhvr>
+                                        <p:cTn id="17" dur="1000"/>
+                                        <p:tgtEl>
+                                          <p:spTgt spid="2"/>
+                                        </p:tgtEl>
+                                      </p:cBhvr>
+                                    </p:animEffect>
+                                  </p:childTnLst>
+                                </p:cTn>
+                              </p:par>
+                            </p:childTnLst>
+                          </p:cTn>
+                        </p:par>
+                      </p:childTnLst>
+                    </p:cTn>
+                  </p:par>
+                  <p:par>
+                    <p:cTn id="18" fill="hold">
+                      <p:stCondLst>
+                        <p:cond delay="indefinite"/>
+                      </p:stCondLst>
+                      <p:childTnLst>
+                        <p:par>
+                          <p:cTn id="19" fill="hold">
+                            <p:stCondLst>
+                              <p:cond delay="0"/>
+                            </p:stCondLst>
+                            <p:childTnLst>
+                              <p:par>
+                                <p:cTn id="20" presetID="10" presetClass="entr" presetSubtype="0" fill="hold" grpId="0" nodeType="clickEffect">
+                                  <p:stCondLst>
+                                    <p:cond delay="0"/>
+                                  </p:stCondLst>
+                                  <p:childTnLst>
+                                    <p:set>
+                                      <p:cBhvr>
+                                        <p:cTn id="21" dur="1" fill="hold">
+                                          <p:stCondLst>
+                                            <p:cond delay="0"/>
+                                          </p:stCondLst>
+                                        </p:cTn>
+                                        <p:tgtEl>
+                                          <p:spTgt spid="3">
+                                            <p:txEl>
+                                              <p:pRg st="0" end="0"/>
+                                            </p:txEl>
+                                          </p:spTgt>
+                                        </p:tgtEl>
+                                        <p:attrNameLst>
+                                          <p:attrName>style.visibility</p:attrName>
+                                        </p:attrNameLst>
+                                      </p:cBhvr>
+                                      <p:to>
+                                        <p:strVal val="visible"/>
+                                      </p:to>
+                                    </p:set>
+                                    <p:animEffect transition="in" filter="fade">
+                                      <p:cBhvr>
+                                        <p:cTn id="22" dur="500"/>
+                                        <p:tgtEl>
+                                          <p:spTgt spid="3">
+                                            <p:txEl>
+                                              <p:pRg st="0" end="0"/>
+                                            </p:txEl>
+                                          </p:spTgt>
+                                        </p:tgtEl>
+                                      </p:cBhvr>
+                                    </p:animEffect>
+                                  </p:childTnLst>
+                                </p:cTn>
+                              </p:par>
+                            </p:childTnLst>
+                          </p:cTn>
+                        </p:par>
+                      </p:childTnLst>
+                    </p:cTn>
+                  </p:par>
+                </p:childTnLst>
+              </p:cTn>
+              <p:prevCondLst>
+                <p:cond evt="onPrev" delay="0">
+                  <p:tgtEl>
+                    <p:sldTgt/>
+                  </p:tgtEl>
+                </p:cond>
+              </p:prevCondLst>
+              <p:nextCondLst>
+                <p:cond evt="onNext" delay="0">
+                  <p:tgtEl>
+                    <p:sldTgt/>
+                  </p:tgtEl>
+                </p:cond>
+              </p:nextCondLst>
+            </p:seq>
+          </p:childTnLst>
+        </p:cTn>
       </p:par>
     </p:tnLst>
+    <p:bldLst>
+      <p:bldP spid="2" grpId="0"/>
+      <p:bldP spid="3" grpId="0" build="p"/>
+    </p:bldLst>
   </p:timing>
 </p:sld>
 </file>
@@ -5169,10 +5593,10 @@
           <a:lstStyle/>
           <a:p>
             <a:r>
-              <a:rPr lang="es-MX" smtClean="0"/>
+              <a:rPr lang="es-MX" dirty="0" smtClean="0"/>
               <a:t>¿Como funciona?</a:t>
             </a:r>
-            <a:endParaRPr lang="es-MX"/>
+            <a:endParaRPr lang="es-MX" dirty="0"/>
           </a:p>
         </p:txBody>
       </p:sp>
@@ -5191,10 +5615,59 @@
           <a:bodyPr/>
           <a:lstStyle/>
           <a:p>
-            <a:endParaRPr lang="es-MX"/>
-          </a:p>
-        </p:txBody>
-      </p:sp>
+            <a:r>
+              <a:rPr lang="es-MX" dirty="0" smtClean="0"/>
+              <a:t>Trabaja en tiempo real programando una página web, cuando subimos o actualizamos el código en la nube donde le podemos añadir alguna parte o editar cosas que no funcionan como deberían</a:t>
+            </a:r>
+            <a:r>
+              <a:rPr lang="es-MX" dirty="0" smtClean="0"/>
+              <a:t> de servir. </a:t>
+            </a:r>
+            <a:endParaRPr lang="es-MX" dirty="0"/>
+          </a:p>
+        </p:txBody>
+      </p:sp>
+      <p:pic>
+        <p:nvPicPr>
+          <p:cNvPr id="4" name="Picture 2" descr="Resultado de imagen para signo de preguntas"/>
+          <p:cNvPicPr>
+            <a:picLocks noChangeAspect="1" noChangeArrowheads="1"/>
+          </p:cNvPicPr>
+          <p:nvPr/>
+        </p:nvPicPr>
+        <p:blipFill>
+          <a:blip r:embed="rId2">
+            <a:extLst>
+              <a:ext uri="{28A0092B-C50C-407E-A947-70E740481C1C}">
+                <a14:useLocalDpi xmlns:a14="http://schemas.microsoft.com/office/drawing/2010/main" val="0"/>
+              </a:ext>
+            </a:extLst>
+          </a:blip>
+          <a:srcRect/>
+          <a:stretch>
+            <a:fillRect/>
+          </a:stretch>
+        </p:blipFill>
+        <p:spPr bwMode="auto">
+          <a:xfrm>
+            <a:off x="539552" y="3212976"/>
+            <a:ext cx="3302970" cy="2837764"/>
+          </a:xfrm>
+          <a:prstGeom prst="rect">
+            <a:avLst/>
+          </a:prstGeom>
+          <a:noFill/>
+          <a:extLst>
+            <a:ext uri="{909E8E84-426E-40DD-AFC4-6F175D3DCCD1}">
+              <a14:hiddenFill xmlns:a14="http://schemas.microsoft.com/office/drawing/2010/main">
+                <a:solidFill>
+                  <a:srgbClr val="FFFFFF"/>
+                </a:solidFill>
+              </a14:hiddenFill>
+            </a:ext>
+          </a:extLst>
+        </p:spPr>
+      </p:pic>
     </p:spTree>
     <p:extLst>
       <p:ext uri="{BB962C8B-B14F-4D97-AF65-F5344CB8AC3E}">
@@ -5208,9 +5681,318 @@
   <p:timing>
     <p:tnLst>
       <p:par>
-        <p:cTn id="1" dur="indefinite" restart="never" nodeType="tmRoot"/>
+        <p:cTn id="1" dur="indefinite" restart="never" nodeType="tmRoot">
+          <p:childTnLst>
+            <p:seq concurrent="1" nextAc="seek">
+              <p:cTn id="2" dur="indefinite" nodeType="mainSeq">
+                <p:childTnLst>
+                  <p:par>
+                    <p:cTn id="3" fill="hold">
+                      <p:stCondLst>
+                        <p:cond delay="indefinite"/>
+                      </p:stCondLst>
+                      <p:childTnLst>
+                        <p:par>
+                          <p:cTn id="4" fill="hold">
+                            <p:stCondLst>
+                              <p:cond delay="0"/>
+                            </p:stCondLst>
+                            <p:childTnLst>
+                              <p:par>
+                                <p:cTn id="5" presetID="42" presetClass="entr" presetSubtype="0" fill="hold" nodeType="clickEffect">
+                                  <p:stCondLst>
+                                    <p:cond delay="0"/>
+                                  </p:stCondLst>
+                                  <p:childTnLst>
+                                    <p:set>
+                                      <p:cBhvr>
+                                        <p:cTn id="6" dur="1" fill="hold">
+                                          <p:stCondLst>
+                                            <p:cond delay="0"/>
+                                          </p:stCondLst>
+                                        </p:cTn>
+                                        <p:tgtEl>
+                                          <p:spTgt spid="4"/>
+                                        </p:tgtEl>
+                                        <p:attrNameLst>
+                                          <p:attrName>style.visibility</p:attrName>
+                                        </p:attrNameLst>
+                                      </p:cBhvr>
+                                      <p:to>
+                                        <p:strVal val="visible"/>
+                                      </p:to>
+                                    </p:set>
+                                    <p:animEffect transition="in" filter="fade">
+                                      <p:cBhvr>
+                                        <p:cTn id="7" dur="1000"/>
+                                        <p:tgtEl>
+                                          <p:spTgt spid="4"/>
+                                        </p:tgtEl>
+                                      </p:cBhvr>
+                                    </p:animEffect>
+                                    <p:anim calcmode="lin" valueType="num">
+                                      <p:cBhvr>
+                                        <p:cTn id="8" dur="1000" fill="hold"/>
+                                        <p:tgtEl>
+                                          <p:spTgt spid="4"/>
+                                        </p:tgtEl>
+                                        <p:attrNameLst>
+                                          <p:attrName>ppt_x</p:attrName>
+                                        </p:attrNameLst>
+                                      </p:cBhvr>
+                                      <p:tavLst>
+                                        <p:tav tm="0">
+                                          <p:val>
+                                            <p:strVal val="#ppt_x"/>
+                                          </p:val>
+                                        </p:tav>
+                                        <p:tav tm="100000">
+                                          <p:val>
+                                            <p:strVal val="#ppt_x"/>
+                                          </p:val>
+                                        </p:tav>
+                                      </p:tavLst>
+                                    </p:anim>
+                                    <p:anim calcmode="lin" valueType="num">
+                                      <p:cBhvr>
+                                        <p:cTn id="9" dur="1000" fill="hold"/>
+                                        <p:tgtEl>
+                                          <p:spTgt spid="4"/>
+                                        </p:tgtEl>
+                                        <p:attrNameLst>
+                                          <p:attrName>ppt_y</p:attrName>
+                                        </p:attrNameLst>
+                                      </p:cBhvr>
+                                      <p:tavLst>
+                                        <p:tav tm="0">
+                                          <p:val>
+                                            <p:strVal val="#ppt_y+.1"/>
+                                          </p:val>
+                                        </p:tav>
+                                        <p:tav tm="100000">
+                                          <p:val>
+                                            <p:strVal val="#ppt_y"/>
+                                          </p:val>
+                                        </p:tav>
+                                      </p:tavLst>
+                                    </p:anim>
+                                  </p:childTnLst>
+                                </p:cTn>
+                              </p:par>
+                            </p:childTnLst>
+                          </p:cTn>
+                        </p:par>
+                      </p:childTnLst>
+                    </p:cTn>
+                  </p:par>
+                  <p:par>
+                    <p:cTn id="10" fill="hold">
+                      <p:stCondLst>
+                        <p:cond delay="indefinite"/>
+                      </p:stCondLst>
+                      <p:childTnLst>
+                        <p:par>
+                          <p:cTn id="11" fill="hold">
+                            <p:stCondLst>
+                              <p:cond delay="0"/>
+                            </p:stCondLst>
+                            <p:childTnLst>
+                              <p:par>
+                                <p:cTn id="12" presetID="31" presetClass="entr" presetSubtype="0" fill="hold" grpId="0" nodeType="clickEffect">
+                                  <p:stCondLst>
+                                    <p:cond delay="0"/>
+                                  </p:stCondLst>
+                                  <p:childTnLst>
+                                    <p:set>
+                                      <p:cBhvr>
+                                        <p:cTn id="13" dur="1" fill="hold">
+                                          <p:stCondLst>
+                                            <p:cond delay="0"/>
+                                          </p:stCondLst>
+                                        </p:cTn>
+                                        <p:tgtEl>
+                                          <p:spTgt spid="2"/>
+                                        </p:tgtEl>
+                                        <p:attrNameLst>
+                                          <p:attrName>style.visibility</p:attrName>
+                                        </p:attrNameLst>
+                                      </p:cBhvr>
+                                      <p:to>
+                                        <p:strVal val="visible"/>
+                                      </p:to>
+                                    </p:set>
+                                    <p:anim calcmode="lin" valueType="num">
+                                      <p:cBhvr>
+                                        <p:cTn id="14" dur="1000" fill="hold"/>
+                                        <p:tgtEl>
+                                          <p:spTgt spid="2"/>
+                                        </p:tgtEl>
+                                        <p:attrNameLst>
+                                          <p:attrName>ppt_w</p:attrName>
+                                        </p:attrNameLst>
+                                      </p:cBhvr>
+                                      <p:tavLst>
+                                        <p:tav tm="0">
+                                          <p:val>
+                                            <p:fltVal val="0"/>
+                                          </p:val>
+                                        </p:tav>
+                                        <p:tav tm="100000">
+                                          <p:val>
+                                            <p:strVal val="#ppt_w"/>
+                                          </p:val>
+                                        </p:tav>
+                                      </p:tavLst>
+                                    </p:anim>
+                                    <p:anim calcmode="lin" valueType="num">
+                                      <p:cBhvr>
+                                        <p:cTn id="15" dur="1000" fill="hold"/>
+                                        <p:tgtEl>
+                                          <p:spTgt spid="2"/>
+                                        </p:tgtEl>
+                                        <p:attrNameLst>
+                                          <p:attrName>ppt_h</p:attrName>
+                                        </p:attrNameLst>
+                                      </p:cBhvr>
+                                      <p:tavLst>
+                                        <p:tav tm="0">
+                                          <p:val>
+                                            <p:fltVal val="0"/>
+                                          </p:val>
+                                        </p:tav>
+                                        <p:tav tm="100000">
+                                          <p:val>
+                                            <p:strVal val="#ppt_h"/>
+                                          </p:val>
+                                        </p:tav>
+                                      </p:tavLst>
+                                    </p:anim>
+                                    <p:anim calcmode="lin" valueType="num">
+                                      <p:cBhvr>
+                                        <p:cTn id="16" dur="1000" fill="hold"/>
+                                        <p:tgtEl>
+                                          <p:spTgt spid="2"/>
+                                        </p:tgtEl>
+                                        <p:attrNameLst>
+                                          <p:attrName>style.rotation</p:attrName>
+                                        </p:attrNameLst>
+                                      </p:cBhvr>
+                                      <p:tavLst>
+                                        <p:tav tm="0">
+                                          <p:val>
+                                            <p:fltVal val="90"/>
+                                          </p:val>
+                                        </p:tav>
+                                        <p:tav tm="100000">
+                                          <p:val>
+                                            <p:fltVal val="0"/>
+                                          </p:val>
+                                        </p:tav>
+                                      </p:tavLst>
+                                    </p:anim>
+                                    <p:animEffect transition="in" filter="fade">
+                                      <p:cBhvr>
+                                        <p:cTn id="17" dur="1000"/>
+                                        <p:tgtEl>
+                                          <p:spTgt spid="2"/>
+                                        </p:tgtEl>
+                                      </p:cBhvr>
+                                    </p:animEffect>
+                                  </p:childTnLst>
+                                </p:cTn>
+                              </p:par>
+                            </p:childTnLst>
+                          </p:cTn>
+                        </p:par>
+                      </p:childTnLst>
+                    </p:cTn>
+                  </p:par>
+                  <p:par>
+                    <p:cTn id="18" fill="hold">
+                      <p:stCondLst>
+                        <p:cond delay="indefinite"/>
+                      </p:stCondLst>
+                      <p:childTnLst>
+                        <p:par>
+                          <p:cTn id="19" fill="hold">
+                            <p:stCondLst>
+                              <p:cond delay="0"/>
+                            </p:stCondLst>
+                            <p:childTnLst>
+                              <p:par>
+                                <p:cTn id="20" presetID="10" presetClass="entr" presetSubtype="0" fill="hold" grpId="0" nodeType="clickEffect">
+                                  <p:stCondLst>
+                                    <p:cond delay="0"/>
+                                  </p:stCondLst>
+                                  <p:childTnLst>
+                                    <p:set>
+                                      <p:cBhvr>
+                                        <p:cTn id="21" dur="1" fill="hold">
+                                          <p:stCondLst>
+                                            <p:cond delay="0"/>
+                                          </p:stCondLst>
+                                        </p:cTn>
+                                        <p:tgtEl>
+                                          <p:spTgt spid="3">
+                                            <p:txEl>
+                                              <p:pRg st="0" end="0"/>
+                                            </p:txEl>
+                                          </p:spTgt>
+                                        </p:tgtEl>
+                                        <p:attrNameLst>
+                                          <p:attrName>style.visibility</p:attrName>
+                                        </p:attrNameLst>
+                                      </p:cBhvr>
+                                      <p:to>
+                                        <p:strVal val="visible"/>
+                                      </p:to>
+                                    </p:set>
+                                    <p:animEffect transition="in" filter="fade">
+                                      <p:cBhvr>
+                                        <p:cTn id="22" dur="500"/>
+                                        <p:tgtEl>
+                                          <p:spTgt spid="3">
+                                            <p:txEl>
+                                              <p:pRg st="0" end="0"/>
+                                            </p:txEl>
+                                          </p:spTgt>
+                                        </p:tgtEl>
+                                      </p:cBhvr>
+                                    </p:animEffect>
+                                  </p:childTnLst>
+                                </p:cTn>
+                              </p:par>
+                            </p:childTnLst>
+                          </p:cTn>
+                        </p:par>
+                      </p:childTnLst>
+                    </p:cTn>
+                  </p:par>
+                </p:childTnLst>
+              </p:cTn>
+              <p:prevCondLst>
+                <p:cond evt="onPrev" delay="0">
+                  <p:tgtEl>
+                    <p:sldTgt/>
+                  </p:tgtEl>
+                </p:cond>
+              </p:prevCondLst>
+              <p:nextCondLst>
+                <p:cond evt="onNext" delay="0">
+                  <p:tgtEl>
+                    <p:sldTgt/>
+                  </p:tgtEl>
+                </p:cond>
+              </p:nextCondLst>
+            </p:seq>
+          </p:childTnLst>
+        </p:cTn>
       </p:par>
     </p:tnLst>
+    <p:bldLst>
+      <p:bldP spid="2" grpId="0"/>
+      <p:bldP spid="3" grpId="0" build="p"/>
+    </p:bldLst>
   </p:timing>
 </p:sld>
 </file>
